--- a/print/lesson_94_precal.pptx
+++ b/print/lesson_94_precal.pptx
@@ -2270,7 +2270,7 @@
             </a:r>
             <a:r>
               <a:rPr b="0"/>
-              <a:t>AP CS A</a:t>
+              <a:t>Precal</a:t>
             </a:r>
             <a:r>
               <a:rPr b="0"/>
@@ -6374,7 +6374,7 @@
               </a:defRPr>
             </a:pPr>
             <a:r>
-              <a:t>Fall 2021 Python </a:t>
+              <a:t>Fall 2021 Precalc </a:t>
             </a:r>
           </a:p>
           <a:p>
